--- a/powerTraces/allPowerTraces.pptx
+++ b/powerTraces/allPowerTraces.pptx
@@ -153,7 +153,7 @@
               </a:defRPr>
             </a:pPr>
             <a:r>
-              <a:rPr lang="en-US"/>
+              <a:rPr lang="en-US" sz="1800" dirty="0"/>
               <a:t>Database</a:t>
             </a:r>
           </a:p>
@@ -568,7 +568,7 @@
               <a:lstStyle/>
               <a:p>
                 <a:pPr>
-                  <a:defRPr sz="1000" b="0" i="0" u="none" strike="noStrike" kern="1200" baseline="0">
+                  <a:defRPr sz="1800" b="0" i="0" u="none" strike="noStrike" kern="1200" baseline="0">
                     <a:solidFill>
                       <a:schemeClr val="tx1">
                         <a:lumMod val="65000"/>
@@ -581,24 +581,24 @@
                   </a:defRPr>
                 </a:pPr>
                 <a:r>
-                  <a:rPr lang="en-US"/>
+                  <a:rPr lang="en-US" sz="1800"/>
                   <a:t>Time</a:t>
                 </a:r>
                 <a:r>
-                  <a:rPr lang="en-US" baseline="0"/>
+                  <a:rPr lang="en-US" sz="1800" baseline="0"/>
                   <a:t> (</a:t>
                 </a:r>
                 <a:r>
-                  <a:rPr lang="en-US" sz="1000" b="0" i="0" u="none" strike="noStrike" baseline="0">
+                  <a:rPr lang="en-US" sz="1800" b="0" i="0" u="none" strike="noStrike" baseline="0">
                     <a:effectLst/>
                   </a:rPr>
                   <a:t>µs</a:t>
                 </a:r>
                 <a:r>
-                  <a:rPr lang="en-US" baseline="0"/>
+                  <a:rPr lang="en-US" sz="1800" baseline="0"/>
                   <a:t>)</a:t>
                 </a:r>
-                <a:endParaRPr lang="en-US"/>
+                <a:endParaRPr lang="en-US" sz="1800"/>
               </a:p>
             </c:rich>
           </c:tx>
@@ -615,7 +615,7 @@
             <a:lstStyle/>
             <a:p>
               <a:pPr>
-                <a:defRPr sz="1000" b="0" i="0" u="none" strike="noStrike" kern="1200" baseline="0">
+                <a:defRPr sz="1800" b="0" i="0" u="none" strike="noStrike" kern="1200" baseline="0">
                   <a:solidFill>
                     <a:schemeClr val="tx1">
                       <a:lumMod val="65000"/>
@@ -653,7 +653,7 @@
           <a:lstStyle/>
           <a:p>
             <a:pPr>
-              <a:defRPr sz="900" b="0" i="0" u="none" strike="noStrike" kern="1200" baseline="0">
+              <a:defRPr sz="1800" b="0" i="0" u="none" strike="noStrike" kern="1200" baseline="0">
                 <a:solidFill>
                   <a:schemeClr val="tx1">
                     <a:lumMod val="65000"/>
@@ -700,7 +700,7 @@
               <a:lstStyle/>
               <a:p>
                 <a:pPr>
-                  <a:defRPr sz="1000" b="0" i="0" u="none" strike="noStrike" kern="1200" baseline="0">
+                  <a:defRPr sz="1800" b="0" i="0" u="none" strike="noStrike" kern="1200" baseline="0">
                     <a:solidFill>
                       <a:schemeClr val="tx1">
                         <a:lumMod val="65000"/>
@@ -713,14 +713,14 @@
                   </a:defRPr>
                 </a:pPr>
                 <a:r>
-                  <a:rPr lang="en-US"/>
+                  <a:rPr lang="en-US" sz="1800"/>
                   <a:t>Average Power</a:t>
                 </a:r>
                 <a:r>
-                  <a:rPr lang="en-US" baseline="0"/>
+                  <a:rPr lang="en-US" sz="1800" baseline="0"/>
                   <a:t> (W)</a:t>
                 </a:r>
-                <a:endParaRPr lang="en-US"/>
+                <a:endParaRPr lang="en-US" sz="1800"/>
               </a:p>
             </c:rich>
           </c:tx>
@@ -737,7 +737,7 @@
             <a:lstStyle/>
             <a:p>
               <a:pPr>
-                <a:defRPr sz="1000" b="0" i="0" u="none" strike="noStrike" kern="1200" baseline="0">
+                <a:defRPr sz="1800" b="0" i="0" u="none" strike="noStrike" kern="1200" baseline="0">
                   <a:solidFill>
                     <a:schemeClr val="tx1">
                       <a:lumMod val="65000"/>
@@ -775,7 +775,7 @@
           <a:lstStyle/>
           <a:p>
             <a:pPr>
-              <a:defRPr sz="900" b="0" i="0" u="none" strike="noStrike" kern="1200" baseline="0">
+              <a:defRPr sz="1800" b="0" i="0" u="none" strike="noStrike" kern="1200" baseline="0">
                 <a:solidFill>
                   <a:schemeClr val="tx1">
                     <a:lumMod val="65000"/>
@@ -30713,14 +30713,14 @@
           <p:nvPr>
             <p:extLst>
               <p:ext uri="{D42A27DB-BD31-4B8C-83A1-F6EECF244321}">
-                <p14:modId xmlns:p14="http://schemas.microsoft.com/office/powerpoint/2010/main" val="2567728677"/>
+                <p14:modId xmlns:p14="http://schemas.microsoft.com/office/powerpoint/2010/main" val="3642999464"/>
               </p:ext>
             </p:extLst>
           </p:nvPr>
         </p:nvGraphicFramePr>
         <p:xfrm>
-          <a:off x="1901300" y="1075308"/>
-          <a:ext cx="7845640" cy="4707384"/>
+          <a:off x="1475172" y="249685"/>
+          <a:ext cx="9772836" cy="5863702"/>
         </p:xfrm>
         <a:graphic>
           <a:graphicData uri="http://schemas.openxmlformats.org/drawingml/2006/chart">
@@ -30742,8 +30742,8 @@
         </p:nvSpPr>
         <p:spPr>
           <a:xfrm>
-            <a:off x="275207" y="5459766"/>
-            <a:ext cx="2169853" cy="830997"/>
+            <a:off x="292962" y="5868138"/>
+            <a:ext cx="3879543" cy="369332"/>
           </a:xfrm>
           <a:prstGeom prst="rect">
             <a:avLst/>
@@ -30763,12 +30763,11 @@
           <a:p>
             <a:pPr algn="ctr"/>
             <a:r>
-              <a:rPr lang="en-US" sz="2400" dirty="0"/>
-              <a:t>result = a + CONSTANT_32</a:t>
-            </a:r>
-            <a:r>
-              <a:rPr lang="en-US" sz="1200" dirty="0"/>
-              <a:t>;</a:t>
+              <a:rPr lang="en-US" dirty="0">
+                <a:latin typeface="Courier New" panose="02070309020205020404" pitchFamily="49" charset="0"/>
+                <a:cs typeface="Courier New" panose="02070309020205020404" pitchFamily="49" charset="0"/>
+              </a:rPr>
+              <a:t>result = a + CONSTANT_32;</a:t>
             </a:r>
           </a:p>
         </p:txBody>
@@ -30784,31 +30783,36 @@
           </p:cNvPr>
           <p:cNvCxnSpPr>
             <a:cxnSpLocks/>
-            <a:stCxn id="5" idx="0"/>
           </p:cNvCxnSpPr>
           <p:nvPr/>
         </p:nvCxnSpPr>
         <p:spPr>
           <a:xfrm flipV="1">
-            <a:off x="1360134" y="3790765"/>
-            <a:ext cx="1249901" cy="1669001"/>
+            <a:off x="878889" y="3542190"/>
+            <a:ext cx="1660125" cy="2325948"/>
           </a:xfrm>
           <a:prstGeom prst="straightConnector1">
             <a:avLst/>
           </a:prstGeom>
-          <a:ln>
-            <a:tailEnd type="triangle"/>
+          <a:ln w="9525" cap="flat" cmpd="sng" algn="ctr">
+            <a:solidFill>
+              <a:schemeClr val="dk1"/>
+            </a:solidFill>
+            <a:prstDash val="dash"/>
+            <a:round/>
+            <a:headEnd type="none" w="med" len="med"/>
+            <a:tailEnd type="none" w="med" len="med"/>
           </a:ln>
         </p:spPr>
         <p:style>
-          <a:lnRef idx="1">
-            <a:schemeClr val="dk1"/>
+          <a:lnRef idx="0">
+            <a:scrgbClr r="0" g="0" b="0"/>
           </a:lnRef>
           <a:fillRef idx="0">
-            <a:schemeClr val="dk1"/>
+            <a:scrgbClr r="0" g="0" b="0"/>
           </a:fillRef>
           <a:effectRef idx="0">
-            <a:schemeClr val="dk1"/>
+            <a:scrgbClr r="0" g="0" b="0"/>
           </a:effectRef>
           <a:fontRef idx="minor">
             <a:schemeClr val="tx1"/>

--- a/powerTraces/allPowerTraces.pptx
+++ b/powerTraces/allPowerTraces.pptx
@@ -5,15 +5,17 @@
     <p:sldMasterId id="2147483648" r:id="rId1"/>
   </p:sldMasterIdLst>
   <p:notesMasterIdLst>
-    <p:notesMasterId r:id="rId8"/>
+    <p:notesMasterId r:id="rId10"/>
   </p:notesMasterIdLst>
   <p:sldIdLst>
     <p:sldId id="259" r:id="rId2"/>
-    <p:sldId id="256" r:id="rId3"/>
-    <p:sldId id="258" r:id="rId4"/>
-    <p:sldId id="257" r:id="rId5"/>
-    <p:sldId id="260" r:id="rId6"/>
-    <p:sldId id="261" r:id="rId7"/>
+    <p:sldId id="262" r:id="rId3"/>
+    <p:sldId id="263" r:id="rId4"/>
+    <p:sldId id="256" r:id="rId5"/>
+    <p:sldId id="258" r:id="rId6"/>
+    <p:sldId id="257" r:id="rId7"/>
+    <p:sldId id="260" r:id="rId8"/>
+    <p:sldId id="261" r:id="rId9"/>
   </p:sldIdLst>
   <p:sldSz cx="12192000" cy="6858000"/>
   <p:notesSz cx="6858000" cy="9144000"/>
@@ -26298,7 +26300,7 @@
           <a:p>
             <a:fld id="{2FA699DD-0DF0-4075-AD1F-A786EFD47061}" type="datetimeFigureOut">
               <a:rPr lang="en-US" smtClean="0"/>
-              <a:t>12/14/2017</a:t>
+              <a:t>12/15/2017</a:t>
             </a:fld>
             <a:endParaRPr lang="en-US"/>
           </a:p>
@@ -26651,7 +26653,7 @@
           <a:p>
             <a:fld id="{AD8D9E66-8B3A-42A1-9ACF-FB1894F12751}" type="slidenum">
               <a:rPr lang="en-US" smtClean="0"/>
-              <a:t>6</a:t>
+              <a:t>8</a:t>
             </a:fld>
             <a:endParaRPr lang="en-US"/>
           </a:p>
@@ -26817,7 +26819,7 @@
           <a:p>
             <a:fld id="{1B4BB7A7-4A39-470C-9092-6133F7996EB4}" type="datetimeFigureOut">
               <a:rPr lang="en-US" smtClean="0"/>
-              <a:t>12/14/2017</a:t>
+              <a:t>12/15/2017</a:t>
             </a:fld>
             <a:endParaRPr lang="en-US"/>
           </a:p>
@@ -27015,7 +27017,7 @@
           <a:p>
             <a:fld id="{1B4BB7A7-4A39-470C-9092-6133F7996EB4}" type="datetimeFigureOut">
               <a:rPr lang="en-US" smtClean="0"/>
-              <a:t>12/14/2017</a:t>
+              <a:t>12/15/2017</a:t>
             </a:fld>
             <a:endParaRPr lang="en-US"/>
           </a:p>
@@ -27223,7 +27225,7 @@
           <a:p>
             <a:fld id="{1B4BB7A7-4A39-470C-9092-6133F7996EB4}" type="datetimeFigureOut">
               <a:rPr lang="en-US" smtClean="0"/>
-              <a:t>12/14/2017</a:t>
+              <a:t>12/15/2017</a:t>
             </a:fld>
             <a:endParaRPr lang="en-US"/>
           </a:p>
@@ -27421,7 +27423,7 @@
           <a:p>
             <a:fld id="{1B4BB7A7-4A39-470C-9092-6133F7996EB4}" type="datetimeFigureOut">
               <a:rPr lang="en-US" smtClean="0"/>
-              <a:t>12/14/2017</a:t>
+              <a:t>12/15/2017</a:t>
             </a:fld>
             <a:endParaRPr lang="en-US"/>
           </a:p>
@@ -27696,7 +27698,7 @@
           <a:p>
             <a:fld id="{1B4BB7A7-4A39-470C-9092-6133F7996EB4}" type="datetimeFigureOut">
               <a:rPr lang="en-US" smtClean="0"/>
-              <a:t>12/14/2017</a:t>
+              <a:t>12/15/2017</a:t>
             </a:fld>
             <a:endParaRPr lang="en-US"/>
           </a:p>
@@ -27961,7 +27963,7 @@
           <a:p>
             <a:fld id="{1B4BB7A7-4A39-470C-9092-6133F7996EB4}" type="datetimeFigureOut">
               <a:rPr lang="en-US" smtClean="0"/>
-              <a:t>12/14/2017</a:t>
+              <a:t>12/15/2017</a:t>
             </a:fld>
             <a:endParaRPr lang="en-US"/>
           </a:p>
@@ -28373,7 +28375,7 @@
           <a:p>
             <a:fld id="{1B4BB7A7-4A39-470C-9092-6133F7996EB4}" type="datetimeFigureOut">
               <a:rPr lang="en-US" smtClean="0"/>
-              <a:t>12/14/2017</a:t>
+              <a:t>12/15/2017</a:t>
             </a:fld>
             <a:endParaRPr lang="en-US"/>
           </a:p>
@@ -28514,7 +28516,7 @@
           <a:p>
             <a:fld id="{1B4BB7A7-4A39-470C-9092-6133F7996EB4}" type="datetimeFigureOut">
               <a:rPr lang="en-US" smtClean="0"/>
-              <a:t>12/14/2017</a:t>
+              <a:t>12/15/2017</a:t>
             </a:fld>
             <a:endParaRPr lang="en-US"/>
           </a:p>
@@ -28627,7 +28629,7 @@
           <a:p>
             <a:fld id="{1B4BB7A7-4A39-470C-9092-6133F7996EB4}" type="datetimeFigureOut">
               <a:rPr lang="en-US" smtClean="0"/>
-              <a:t>12/14/2017</a:t>
+              <a:t>12/15/2017</a:t>
             </a:fld>
             <a:endParaRPr lang="en-US"/>
           </a:p>
@@ -28938,7 +28940,7 @@
           <a:p>
             <a:fld id="{1B4BB7A7-4A39-470C-9092-6133F7996EB4}" type="datetimeFigureOut">
               <a:rPr lang="en-US" smtClean="0"/>
-              <a:t>12/14/2017</a:t>
+              <a:t>12/15/2017</a:t>
             </a:fld>
             <a:endParaRPr lang="en-US"/>
           </a:p>
@@ -29226,7 +29228,7 @@
           <a:p>
             <a:fld id="{1B4BB7A7-4A39-470C-9092-6133F7996EB4}" type="datetimeFigureOut">
               <a:rPr lang="en-US" smtClean="0"/>
-              <a:t>12/14/2017</a:t>
+              <a:t>12/15/2017</a:t>
             </a:fld>
             <a:endParaRPr lang="en-US"/>
           </a:p>
@@ -29467,7 +29469,7 @@
           <a:p>
             <a:fld id="{1B4BB7A7-4A39-470C-9092-6133F7996EB4}" type="datetimeFigureOut">
               <a:rPr lang="en-US" smtClean="0"/>
-              <a:t>12/14/2017</a:t>
+              <a:t>12/15/2017</a:t>
             </a:fld>
             <a:endParaRPr lang="en-US"/>
           </a:p>
@@ -30126,6 +30128,221 @@
           <a:chExt cx="0" cy="0"/>
         </a:xfrm>
       </p:grpSpPr>
+      <p:sp>
+        <p:nvSpPr>
+          <p:cNvPr id="2" name="Title 1">
+            <a:extLst>
+              <a:ext uri="{FF2B5EF4-FFF2-40B4-BE49-F238E27FC236}">
+                <a16:creationId xmlns:a16="http://schemas.microsoft.com/office/drawing/2014/main" id="{30F9E4A2-3AB8-41BE-8F37-B9AE40398AB7}"/>
+              </a:ext>
+            </a:extLst>
+          </p:cNvPr>
+          <p:cNvSpPr>
+            <a:spLocks noGrp="1"/>
+          </p:cNvSpPr>
+          <p:nvPr>
+            <p:ph type="title"/>
+          </p:nvPr>
+        </p:nvSpPr>
+        <p:spPr/>
+        <p:txBody>
+          <a:bodyPr/>
+          <a:lstStyle/>
+          <a:p>
+            <a:endParaRPr lang="en-US"/>
+          </a:p>
+        </p:txBody>
+      </p:sp>
+      <p:pic>
+        <p:nvPicPr>
+          <p:cNvPr id="5" name="Content Placeholder 4">
+            <a:extLst>
+              <a:ext uri="{FF2B5EF4-FFF2-40B4-BE49-F238E27FC236}">
+                <a16:creationId xmlns:a16="http://schemas.microsoft.com/office/drawing/2014/main" id="{7332875D-9895-40E2-B04C-6BB90E9571EF}"/>
+              </a:ext>
+            </a:extLst>
+          </p:cNvPr>
+          <p:cNvPicPr>
+            <a:picLocks noGrp="1" noChangeAspect="1"/>
+          </p:cNvPicPr>
+          <p:nvPr>
+            <p:ph idx="1"/>
+          </p:nvPr>
+        </p:nvPicPr>
+        <p:blipFill>
+          <a:blip r:embed="rId2">
+            <a:extLst>
+              <a:ext uri="{28A0092B-C50C-407E-A947-70E740481C1C}">
+                <a14:useLocalDpi xmlns:a14="http://schemas.microsoft.com/office/drawing/2010/main" val="0"/>
+              </a:ext>
+            </a:extLst>
+          </a:blip>
+          <a:stretch>
+            <a:fillRect/>
+          </a:stretch>
+        </p:blipFill>
+        <p:spPr>
+          <a:xfrm>
+            <a:off x="2383786" y="1236769"/>
+            <a:ext cx="6171232" cy="3471318"/>
+          </a:xfrm>
+        </p:spPr>
+      </p:pic>
+      <p:pic>
+        <p:nvPicPr>
+          <p:cNvPr id="7" name="Picture 6">
+            <a:extLst>
+              <a:ext uri="{FF2B5EF4-FFF2-40B4-BE49-F238E27FC236}">
+                <a16:creationId xmlns:a16="http://schemas.microsoft.com/office/drawing/2014/main" id="{CFF9E872-AD49-4DDF-AA73-7EA5696B7B5F}"/>
+              </a:ext>
+            </a:extLst>
+          </p:cNvPr>
+          <p:cNvPicPr>
+            <a:picLocks noChangeAspect="1"/>
+          </p:cNvPicPr>
+          <p:nvPr/>
+        </p:nvPicPr>
+        <p:blipFill>
+          <a:blip r:embed="rId3">
+            <a:extLst>
+              <a:ext uri="{28A0092B-C50C-407E-A947-70E740481C1C}">
+                <a14:useLocalDpi xmlns:a14="http://schemas.microsoft.com/office/drawing/2010/main" val="0"/>
+              </a:ext>
+            </a:extLst>
+          </a:blip>
+          <a:stretch>
+            <a:fillRect/>
+          </a:stretch>
+        </p:blipFill>
+        <p:spPr>
+          <a:xfrm>
+            <a:off x="305642" y="68094"/>
+            <a:ext cx="9726276" cy="5471030"/>
+          </a:xfrm>
+          <a:prstGeom prst="rect">
+            <a:avLst/>
+          </a:prstGeom>
+        </p:spPr>
+      </p:pic>
+    </p:spTree>
+    <p:extLst>
+      <p:ext uri="{BB962C8B-B14F-4D97-AF65-F5344CB8AC3E}">
+        <p14:creationId xmlns:p14="http://schemas.microsoft.com/office/powerpoint/2010/main" val="2810407571"/>
+      </p:ext>
+    </p:extLst>
+  </p:cSld>
+  <p:clrMapOvr>
+    <a:masterClrMapping/>
+  </p:clrMapOvr>
+</p:sld>
+</file>
+
+<file path=ppt/slides/slide3.xml><?xml version="1.0" encoding="utf-8"?>
+<p:sld xmlns:a="http://schemas.openxmlformats.org/drawingml/2006/main" xmlns:r="http://schemas.openxmlformats.org/officeDocument/2006/relationships" xmlns:p="http://schemas.openxmlformats.org/presentationml/2006/main">
+  <p:cSld>
+    <p:spTree>
+      <p:nvGrpSpPr>
+        <p:cNvPr id="1" name=""/>
+        <p:cNvGrpSpPr/>
+        <p:nvPr/>
+      </p:nvGrpSpPr>
+      <p:grpSpPr>
+        <a:xfrm>
+          <a:off x="0" y="0"/>
+          <a:ext cx="0" cy="0"/>
+          <a:chOff x="0" y="0"/>
+          <a:chExt cx="0" cy="0"/>
+        </a:xfrm>
+      </p:grpSpPr>
+      <p:sp>
+        <p:nvSpPr>
+          <p:cNvPr id="2" name="Title 1">
+            <a:extLst>
+              <a:ext uri="{FF2B5EF4-FFF2-40B4-BE49-F238E27FC236}">
+                <a16:creationId xmlns:a16="http://schemas.microsoft.com/office/drawing/2014/main" id="{21454E4C-8089-4375-BE78-C5999873BFFC}"/>
+              </a:ext>
+            </a:extLst>
+          </p:cNvPr>
+          <p:cNvSpPr>
+            <a:spLocks noGrp="1"/>
+          </p:cNvSpPr>
+          <p:nvPr>
+            <p:ph type="title"/>
+          </p:nvPr>
+        </p:nvSpPr>
+        <p:spPr/>
+        <p:txBody>
+          <a:bodyPr/>
+          <a:lstStyle/>
+          <a:p>
+            <a:endParaRPr lang="en-US"/>
+          </a:p>
+        </p:txBody>
+      </p:sp>
+      <p:pic>
+        <p:nvPicPr>
+          <p:cNvPr id="5" name="Content Placeholder 4">
+            <a:extLst>
+              <a:ext uri="{FF2B5EF4-FFF2-40B4-BE49-F238E27FC236}">
+                <a16:creationId xmlns:a16="http://schemas.microsoft.com/office/drawing/2014/main" id="{C84D96B0-464E-41EC-8E08-97FADE3C7B7E}"/>
+              </a:ext>
+            </a:extLst>
+          </p:cNvPr>
+          <p:cNvPicPr>
+            <a:picLocks noGrp="1" noChangeAspect="1"/>
+          </p:cNvPicPr>
+          <p:nvPr>
+            <p:ph idx="1"/>
+          </p:nvPr>
+        </p:nvPicPr>
+        <p:blipFill rotWithShape="1">
+          <a:blip r:embed="rId2">
+            <a:extLst>
+              <a:ext uri="{28A0092B-C50C-407E-A947-70E740481C1C}">
+                <a14:useLocalDpi xmlns:a14="http://schemas.microsoft.com/office/drawing/2010/main" val="0"/>
+              </a:ext>
+            </a:extLst>
+          </a:blip>
+          <a:srcRect t="16392" r="16131"/>
+          <a:stretch/>
+        </p:blipFill>
+        <p:spPr>
+          <a:xfrm>
+            <a:off x="2228144" y="2538919"/>
+            <a:ext cx="6487839" cy="3638044"/>
+          </a:xfrm>
+        </p:spPr>
+      </p:pic>
+    </p:spTree>
+    <p:extLst>
+      <p:ext uri="{BB962C8B-B14F-4D97-AF65-F5344CB8AC3E}">
+        <p14:creationId xmlns:p14="http://schemas.microsoft.com/office/powerpoint/2010/main" val="3417816565"/>
+      </p:ext>
+    </p:extLst>
+  </p:cSld>
+  <p:clrMapOvr>
+    <a:masterClrMapping/>
+  </p:clrMapOvr>
+</p:sld>
+</file>
+
+<file path=ppt/slides/slide4.xml><?xml version="1.0" encoding="utf-8"?>
+<p:sld xmlns:a="http://schemas.openxmlformats.org/drawingml/2006/main" xmlns:r="http://schemas.openxmlformats.org/officeDocument/2006/relationships" xmlns:p="http://schemas.openxmlformats.org/presentationml/2006/main">
+  <p:cSld>
+    <p:spTree>
+      <p:nvGrpSpPr>
+        <p:cNvPr id="1" name=""/>
+        <p:cNvGrpSpPr/>
+        <p:nvPr/>
+      </p:nvGrpSpPr>
+      <p:grpSpPr>
+        <a:xfrm>
+          <a:off x="0" y="0"/>
+          <a:ext cx="0" cy="0"/>
+          <a:chOff x="0" y="0"/>
+          <a:chExt cx="0" cy="0"/>
+        </a:xfrm>
+      </p:grpSpPr>
       <p:graphicFrame>
         <p:nvGraphicFramePr>
           <p:cNvPr id="4" name="Chart 3">
@@ -30411,7 +30628,7 @@
 </p:sld>
 </file>
 
-<file path=ppt/slides/slide3.xml><?xml version="1.0" encoding="utf-8"?>
+<file path=ppt/slides/slide5.xml><?xml version="1.0" encoding="utf-8"?>
 <p:sld xmlns:a="http://schemas.openxmlformats.org/drawingml/2006/main" xmlns:r="http://schemas.openxmlformats.org/officeDocument/2006/relationships" xmlns:p="http://schemas.openxmlformats.org/presentationml/2006/main">
   <p:cSld>
     <p:spTree>
@@ -30713,7 +30930,7 @@
 </p:sld>
 </file>
 
-<file path=ppt/slides/slide4.xml><?xml version="1.0" encoding="utf-8"?>
+<file path=ppt/slides/slide6.xml><?xml version="1.0" encoding="utf-8"?>
 <p:sld xmlns:a="http://schemas.openxmlformats.org/drawingml/2006/main" xmlns:r="http://schemas.openxmlformats.org/officeDocument/2006/relationships" xmlns:p="http://schemas.openxmlformats.org/presentationml/2006/main">
   <p:cSld>
     <p:spTree>
@@ -30773,7 +30990,7 @@
 </p:sld>
 </file>
 
-<file path=ppt/slides/slide5.xml><?xml version="1.0" encoding="utf-8"?>
+<file path=ppt/slides/slide7.xml><?xml version="1.0" encoding="utf-8"?>
 <p:sld xmlns:a="http://schemas.openxmlformats.org/drawingml/2006/main" xmlns:r="http://schemas.openxmlformats.org/officeDocument/2006/relationships" xmlns:p="http://schemas.openxmlformats.org/presentationml/2006/main">
   <p:cSld>
     <p:spTree>
@@ -31058,7 +31275,7 @@
 </p:sld>
 </file>
 
-<file path=ppt/slides/slide6.xml><?xml version="1.0" encoding="utf-8"?>
+<file path=ppt/slides/slide8.xml><?xml version="1.0" encoding="utf-8"?>
 <p:sld xmlns:a="http://schemas.openxmlformats.org/drawingml/2006/main" xmlns:r="http://schemas.openxmlformats.org/officeDocument/2006/relationships" xmlns:p="http://schemas.openxmlformats.org/presentationml/2006/main">
   <p:cSld>
     <p:spTree>
